--- a/Destination Analyzer –.pptx
+++ b/Destination Analyzer –.pptx
@@ -6161,7 +6161,7 @@
                                     </p:set>
                                     <p:animEffect transition="in" filter="wipe(down)">
                                       <p:cBhvr>
-                                        <p:cTn id="7" dur="290">
+                                        <p:cTn id="7" dur="580">
                                           <p:stCondLst>
                                             <p:cond delay="0"/>
                                           </p:stCondLst>
@@ -6173,7 +6173,7 @@
                                     </p:animEffect>
                                     <p:anim calcmode="lin" valueType="num">
                                       <p:cBhvr>
-                                        <p:cTn id="8" dur="911" tmFilter="0,0; 0.14,0.36; 0.43,0.73; 0.71,0.91; 1.0,1.0">
+                                        <p:cTn id="8" dur="1822" tmFilter="0,0; 0.14,0.36; 0.43,0.73; 0.71,0.91; 1.0,1.0">
                                           <p:stCondLst>
                                             <p:cond delay="0"/>
                                           </p:stCondLst>
@@ -6200,7 +6200,7 @@
                                     </p:anim>
                                     <p:anim calcmode="lin" valueType="num">
                                       <p:cBhvr>
-                                        <p:cTn id="9" dur="332" tmFilter="0.0,0.0; 0.25,0.07; 0.50,0.2; 0.75,0.467; 1.0,1.0">
+                                        <p:cTn id="9" dur="664" tmFilter="0.0,0.0; 0.25,0.07; 0.50,0.2; 0.75,0.467; 1.0,1.0">
                                           <p:stCondLst>
                                             <p:cond delay="0"/>
                                           </p:stCondLst>
@@ -6227,9 +6227,9 @@
                                     </p:anim>
                                     <p:anim calcmode="lin" valueType="num">
                                       <p:cBhvr>
-                                        <p:cTn id="10" dur="332" tmFilter="0, 0; 0.125,0.2665; 0.25,0.4; 0.375,0.465; 0.5,0.5;  0.625,0.535; 0.75,0.6; 0.875,0.7335; 1,1">
+                                        <p:cTn id="10" dur="664" tmFilter="0, 0; 0.125,0.2665; 0.25,0.4; 0.375,0.465; 0.5,0.5;  0.625,0.535; 0.75,0.6; 0.875,0.7335; 1,1">
                                           <p:stCondLst>
-                                            <p:cond delay="332"/>
+                                            <p:cond delay="664"/>
                                           </p:stCondLst>
                                         </p:cTn>
                                         <p:tgtEl>
@@ -6254,9 +6254,9 @@
                                     </p:anim>
                                     <p:anim calcmode="lin" valueType="num">
                                       <p:cBhvr>
-                                        <p:cTn id="11" dur="166" tmFilter="0, 0; 0.125,0.2665; 0.25,0.4; 0.375,0.465; 0.5,0.5;  0.625,0.535; 0.75,0.6; 0.875,0.7335; 1,1">
+                                        <p:cTn id="11" dur="332" tmFilter="0, 0; 0.125,0.2665; 0.25,0.4; 0.375,0.465; 0.5,0.5;  0.625,0.535; 0.75,0.6; 0.875,0.7335; 1,1">
                                           <p:stCondLst>
-                                            <p:cond delay="662"/>
+                                            <p:cond delay="1324"/>
                                           </p:stCondLst>
                                         </p:cTn>
                                         <p:tgtEl>
@@ -6281,9 +6281,9 @@
                                     </p:anim>
                                     <p:anim calcmode="lin" valueType="num">
                                       <p:cBhvr>
-                                        <p:cTn id="12" dur="82" tmFilter="0, 0; 0.125,0.2665; 0.25,0.4; 0.375,0.465; 0.5,0.5;  0.625,0.535; 0.75,0.6; 0.875,0.7335; 1,1">
+                                        <p:cTn id="12" dur="164" tmFilter="0, 0; 0.125,0.2665; 0.25,0.4; 0.375,0.465; 0.5,0.5;  0.625,0.535; 0.75,0.6; 0.875,0.7335; 1,1">
                                           <p:stCondLst>
-                                            <p:cond delay="828"/>
+                                            <p:cond delay="1656"/>
                                           </p:stCondLst>
                                         </p:cTn>
                                         <p:tgtEl>
@@ -6308,9 +6308,9 @@
                                     </p:anim>
                                     <p:animScale>
                                       <p:cBhvr>
-                                        <p:cTn id="13" dur="13">
+                                        <p:cTn id="13" dur="26">
                                           <p:stCondLst>
-                                            <p:cond delay="325"/>
+                                            <p:cond delay="650"/>
                                           </p:stCondLst>
                                         </p:cTn>
                                         <p:tgtEl>
@@ -6321,9 +6321,9 @@
                                     </p:animScale>
                                     <p:animScale>
                                       <p:cBhvr>
-                                        <p:cTn id="14" dur="83" decel="50000">
+                                        <p:cTn id="14" dur="166" decel="50000">
                                           <p:stCondLst>
-                                            <p:cond delay="338"/>
+                                            <p:cond delay="676"/>
                                           </p:stCondLst>
                                         </p:cTn>
                                         <p:tgtEl>
@@ -6334,9 +6334,9 @@
                                     </p:animScale>
                                     <p:animScale>
                                       <p:cBhvr>
-                                        <p:cTn id="15" dur="13">
+                                        <p:cTn id="15" dur="26">
                                           <p:stCondLst>
-                                            <p:cond delay="656"/>
+                                            <p:cond delay="1312"/>
                                           </p:stCondLst>
                                         </p:cTn>
                                         <p:tgtEl>
@@ -6347,9 +6347,9 @@
                                     </p:animScale>
                                     <p:animScale>
                                       <p:cBhvr>
-                                        <p:cTn id="16" dur="83" decel="50000">
+                                        <p:cTn id="16" dur="166" decel="50000">
                                           <p:stCondLst>
-                                            <p:cond delay="669"/>
+                                            <p:cond delay="1338"/>
                                           </p:stCondLst>
                                         </p:cTn>
                                         <p:tgtEl>
@@ -6360,9 +6360,9 @@
                                     </p:animScale>
                                     <p:animScale>
                                       <p:cBhvr>
-                                        <p:cTn id="17" dur="13">
+                                        <p:cTn id="17" dur="26">
                                           <p:stCondLst>
-                                            <p:cond delay="821"/>
+                                            <p:cond delay="1642"/>
                                           </p:stCondLst>
                                         </p:cTn>
                                         <p:tgtEl>
@@ -6373,9 +6373,9 @@
                                     </p:animScale>
                                     <p:animScale>
                                       <p:cBhvr>
-                                        <p:cTn id="18" dur="83" decel="50000">
+                                        <p:cTn id="18" dur="166" decel="50000">
                                           <p:stCondLst>
-                                            <p:cond delay="834"/>
+                                            <p:cond delay="1668"/>
                                           </p:stCondLst>
                                         </p:cTn>
                                         <p:tgtEl>
@@ -6386,9 +6386,9 @@
                                     </p:animScale>
                                     <p:animScale>
                                       <p:cBhvr>
-                                        <p:cTn id="19" dur="13">
+                                        <p:cTn id="19" dur="26">
                                           <p:stCondLst>
-                                            <p:cond delay="904"/>
+                                            <p:cond delay="1808"/>
                                           </p:stCondLst>
                                         </p:cTn>
                                         <p:tgtEl>
@@ -6399,9 +6399,9 @@
                                     </p:animScale>
                                     <p:animScale>
                                       <p:cBhvr>
-                                        <p:cTn id="20" dur="83" decel="50000">
+                                        <p:cTn id="20" dur="166" decel="50000">
                                           <p:stCondLst>
-                                            <p:cond delay="917"/>
+                                            <p:cond delay="1834"/>
                                           </p:stCondLst>
                                         </p:cTn>
                                         <p:tgtEl>
@@ -6690,42 +6690,69 @@
           </a:xfrm>
         </p:spPr>
         <p:txBody>
-          <a:bodyPr/>
-          <a:lstStyle/>
-          <a:p>
-            <a:r>
-              <a:rPr lang="en-US" dirty="0" smtClean="0"/>
+          <a:bodyPr>
+            <a:normAutofit lnSpcReduction="10000"/>
+          </a:bodyPr>
+          <a:lstStyle/>
+          <a:p>
+            <a:r>
+              <a:rPr lang="en-US" sz="2400" dirty="0" smtClean="0"/>
               <a:t>Useful data retrieval that can be used by airlines/places for its improvement.</a:t>
             </a:r>
           </a:p>
           <a:p>
-            <a:r>
-              <a:rPr lang="en-US" dirty="0" smtClean="0"/>
+            <a:endParaRPr lang="en-US" sz="2400" dirty="0" smtClean="0"/>
+          </a:p>
+          <a:p>
+            <a:r>
+              <a:rPr lang="en-US" sz="2400" dirty="0" smtClean="0"/>
               <a:t> </a:t>
             </a:r>
             <a:r>
-              <a:rPr lang="en-US" dirty="0"/>
+              <a:rPr lang="en-US" sz="2400" dirty="0"/>
               <a:t>Large amount of </a:t>
             </a:r>
             <a:r>
-              <a:rPr lang="en-US" dirty="0" smtClean="0"/>
+              <a:rPr lang="en-US" sz="2400" dirty="0" smtClean="0"/>
               <a:t>Revenue from marketing companies who can use this data to target famous places for its advisements.</a:t>
             </a:r>
+          </a:p>
+          <a:p>
+            <a:endParaRPr lang="en-US" sz="2400" dirty="0"/>
+          </a:p>
+          <a:p>
+            <a:r>
+              <a:rPr lang="en-US" sz="2400" dirty="0" smtClean="0"/>
+              <a:t>It </a:t>
+            </a:r>
+            <a:r>
+              <a:rPr lang="en-US" sz="2400" dirty="0"/>
+              <a:t>will attract </a:t>
+            </a:r>
+            <a:r>
+              <a:rPr lang="en-US" sz="2400" dirty="0" smtClean="0"/>
+              <a:t>millions of tourists because </a:t>
+            </a:r>
+            <a:r>
+              <a:rPr lang="en-US" sz="2400" dirty="0"/>
+              <a:t>of customer friendly plans</a:t>
+            </a:r>
+            <a:r>
+              <a:rPr lang="en-US" sz="2400" dirty="0" smtClean="0"/>
+              <a:t>.</a:t>
+            </a:r>
+          </a:p>
+          <a:p>
             <a:endParaRPr lang="en-US" dirty="0"/>
           </a:p>
           <a:p>
-            <a:r>
-              <a:rPr lang="en-US" dirty="0"/>
-              <a:t>It will attract </a:t>
-            </a:r>
-            <a:r>
-              <a:rPr lang="en-US" dirty="0" smtClean="0"/>
-              <a:t>millions of tourists because </a:t>
-            </a:r>
-            <a:r>
-              <a:rPr lang="en-US" dirty="0"/>
-              <a:t>of customer friendly plans.</a:t>
-            </a:r>
+            <a:endParaRPr lang="en-US" dirty="0" smtClean="0"/>
+          </a:p>
+          <a:p>
+            <a:endParaRPr lang="en-US" dirty="0"/>
+          </a:p>
+          <a:p>
+            <a:endParaRPr lang="en-US" dirty="0"/>
           </a:p>
           <a:p>
             <a:endParaRPr lang="en-US" dirty="0" smtClean="0"/>
@@ -6789,7 +6816,7 @@
           <a:p>
             <a:r>
               <a:rPr lang="en-US" dirty="0" smtClean="0"/>
-              <a:t>Impact</a:t>
+              <a:t>Viability</a:t>
             </a:r>
             <a:endParaRPr lang="en-US" dirty="0"/>
           </a:p>
@@ -6816,27 +6843,45 @@
           <a:lstStyle/>
           <a:p>
             <a:r>
-              <a:rPr lang="en-US" dirty="0" smtClean="0"/>
-              <a:t> Less investment required for new development.</a:t>
-            </a:r>
-          </a:p>
-          <a:p>
-            <a:r>
-              <a:rPr lang="en-US" dirty="0" smtClean="0"/>
-              <a:t> It </a:t>
-            </a:r>
-            <a:r>
-              <a:rPr lang="en-US" dirty="0"/>
+              <a:rPr lang="en-US" sz="2800" dirty="0" smtClean="0"/>
+              <a:t>It </a:t>
+            </a:r>
+            <a:r>
+              <a:rPr lang="en-US" sz="2800" dirty="0"/>
               <a:t>can </a:t>
             </a:r>
             <a:r>
-              <a:rPr lang="en-US" dirty="0" smtClean="0"/>
+              <a:rPr lang="en-US" sz="2800" dirty="0" smtClean="0"/>
               <a:t>be </a:t>
             </a:r>
             <a:r>
-              <a:rPr lang="en-US" dirty="0"/>
+              <a:rPr lang="en-US" sz="2800" dirty="0"/>
               <a:t>easily integrated with any of the existing travel management app. </a:t>
             </a:r>
+            <a:endParaRPr lang="en-US" sz="2800" dirty="0" smtClean="0"/>
+          </a:p>
+          <a:p>
+            <a:r>
+              <a:rPr lang="en-US" sz="2800" dirty="0"/>
+              <a:t>Less investment required for new development</a:t>
+            </a:r>
+            <a:r>
+              <a:rPr lang="en-US" sz="2800" dirty="0" smtClean="0"/>
+              <a:t>.</a:t>
+            </a:r>
+          </a:p>
+          <a:p>
+            <a:r>
+              <a:rPr lang="en-US" sz="2800" dirty="0" smtClean="0"/>
+              <a:t>Use of free data available for analysis.</a:t>
+            </a:r>
+            <a:endParaRPr lang="en-US" sz="2800" dirty="0"/>
+          </a:p>
+          <a:p>
+            <a:endParaRPr lang="en-US" sz="2800" dirty="0" smtClean="0"/>
+          </a:p>
+          <a:p>
+            <a:endParaRPr lang="en-US" sz="2800" dirty="0"/>
           </a:p>
           <a:p>
             <a:endParaRPr lang="en-US" dirty="0"/>
